--- a/Screensaver for Conference.pptx
+++ b/Screensaver for Conference.pptx
@@ -3904,7 +3904,12 @@
             <p:ph type="title"/>
           </p:nvPr>
         </p:nvSpPr>
-        <p:spPr/>
+        <p:spPr>
+          <a:xfrm>
+            <a:off x="838200" y="-91483"/>
+            <a:ext cx="10515600" cy="1325563"/>
+          </a:xfrm>
+        </p:spPr>
         <p:txBody>
           <a:bodyPr/>
           <a:lstStyle/>
@@ -3933,7 +3938,7 @@
         </p:blipFill>
         <p:spPr>
           <a:xfrm>
-            <a:off x="2128837" y="2501659"/>
+            <a:off x="2271538" y="1916633"/>
             <a:ext cx="7934325" cy="3442119"/>
           </a:xfrm>
           <a:prstGeom prst="rect">
@@ -4030,7 +4035,12 @@
             <p:ph type="title"/>
           </p:nvPr>
         </p:nvSpPr>
-        <p:spPr/>
+        <p:spPr>
+          <a:xfrm>
+            <a:off x="838200" y="-177097"/>
+            <a:ext cx="10515600" cy="1325563"/>
+          </a:xfrm>
+        </p:spPr>
         <p:txBody>
           <a:bodyPr/>
           <a:lstStyle/>
@@ -4059,7 +4069,7 @@
         </p:blipFill>
         <p:spPr>
           <a:xfrm>
-            <a:off x="2133600" y="2277373"/>
+            <a:off x="2219220" y="1621003"/>
             <a:ext cx="7924800" cy="3494777"/>
           </a:xfrm>
           <a:prstGeom prst="rect">
@@ -4204,7 +4214,12 @@
             <p:ph type="title"/>
           </p:nvPr>
         </p:nvSpPr>
-        <p:spPr/>
+        <p:spPr>
+          <a:xfrm>
+            <a:off x="823930" y="-148556"/>
+            <a:ext cx="10515600" cy="1325563"/>
+          </a:xfrm>
+        </p:spPr>
         <p:txBody>
           <a:bodyPr/>
           <a:lstStyle/>
@@ -4307,7 +4322,12 @@
             <p:ph type="title"/>
           </p:nvPr>
         </p:nvSpPr>
-        <p:spPr/>
+        <p:spPr>
+          <a:xfrm>
+            <a:off x="866740" y="-234170"/>
+            <a:ext cx="10515600" cy="1325563"/>
+          </a:xfrm>
+        </p:spPr>
         <p:txBody>
           <a:bodyPr/>
           <a:lstStyle/>
@@ -4433,7 +4453,12 @@
             <p:ph type="title"/>
           </p:nvPr>
         </p:nvSpPr>
-        <p:spPr/>
+        <p:spPr>
+          <a:xfrm>
+            <a:off x="838200" y="-319787"/>
+            <a:ext cx="10515600" cy="1325563"/>
+          </a:xfrm>
+        </p:spPr>
         <p:txBody>
           <a:bodyPr/>
           <a:lstStyle/>
@@ -4447,29 +4472,6 @@
           </a:p>
         </p:txBody>
       </p:sp>
-      <p:pic>
-        <p:nvPicPr>
-          <p:cNvPr id="3" name="Picture 2"/>
-          <p:cNvPicPr>
-            <a:picLocks noChangeAspect="1"/>
-          </p:cNvPicPr>
-          <p:nvPr/>
-        </p:nvPicPr>
-        <p:blipFill rotWithShape="1">
-          <a:blip r:embed="rId2"/>
-          <a:srcRect t="9195"/>
-          <a:stretch/>
-        </p:blipFill>
-        <p:spPr>
-          <a:xfrm>
-            <a:off x="1938337" y="2484408"/>
-            <a:ext cx="8315325" cy="3848908"/>
-          </a:xfrm>
-          <a:prstGeom prst="rect">
-            <a:avLst/>
-          </a:prstGeom>
-        </p:spPr>
-      </p:pic>
       <p:sp>
         <p:nvSpPr>
           <p:cNvPr id="5" name="Footer Placeholder 4"/>
@@ -4519,6 +4521,30 @@
           </a:p>
         </p:txBody>
       </p:sp>
+      <p:pic>
+        <p:nvPicPr>
+          <p:cNvPr id="4" name="Picture 3"/>
+          <p:cNvPicPr>
+            <a:picLocks noChangeAspect="1"/>
+          </p:cNvPicPr>
+          <p:nvPr/>
+        </p:nvPicPr>
+        <p:blipFill>
+          <a:blip r:embed="rId2"/>
+          <a:stretch>
+            <a:fillRect/>
+          </a:stretch>
+        </p:blipFill>
+        <p:spPr>
+          <a:xfrm>
+            <a:off x="1045553" y="916174"/>
+            <a:ext cx="10056570" cy="5345073"/>
+          </a:xfrm>
+          <a:prstGeom prst="rect">
+            <a:avLst/>
+          </a:prstGeom>
+        </p:spPr>
+      </p:pic>
     </p:spTree>
     <p:extLst>
       <p:ext uri="{BB962C8B-B14F-4D97-AF65-F5344CB8AC3E}">
@@ -4559,7 +4585,12 @@
             <p:ph type="title"/>
           </p:nvPr>
         </p:nvSpPr>
-        <p:spPr/>
+        <p:spPr>
+          <a:xfrm>
+            <a:off x="838200" y="-291249"/>
+            <a:ext cx="10515600" cy="1325563"/>
+          </a:xfrm>
+        </p:spPr>
         <p:txBody>
           <a:bodyPr/>
           <a:lstStyle/>
@@ -4573,29 +4604,6 @@
           </a:p>
         </p:txBody>
       </p:sp>
-      <p:pic>
-        <p:nvPicPr>
-          <p:cNvPr id="3" name="Picture 2"/>
-          <p:cNvPicPr>
-            <a:picLocks noChangeAspect="1"/>
-          </p:cNvPicPr>
-          <p:nvPr/>
-        </p:nvPicPr>
-        <p:blipFill rotWithShape="1">
-          <a:blip r:embed="rId2"/>
-          <a:srcRect t="12695"/>
-          <a:stretch/>
-        </p:blipFill>
-        <p:spPr>
-          <a:xfrm>
-            <a:off x="2017687" y="2812210"/>
-            <a:ext cx="8156625" cy="2544793"/>
-          </a:xfrm>
-          <a:prstGeom prst="rect">
-            <a:avLst/>
-          </a:prstGeom>
-        </p:spPr>
-      </p:pic>
       <p:sp>
         <p:nvSpPr>
           <p:cNvPr id="5" name="Footer Placeholder 4"/>
@@ -4645,6 +4653,30 @@
           </a:p>
         </p:txBody>
       </p:sp>
+      <p:pic>
+        <p:nvPicPr>
+          <p:cNvPr id="4" name="Picture 3"/>
+          <p:cNvPicPr>
+            <a:picLocks noChangeAspect="1"/>
+          </p:cNvPicPr>
+          <p:nvPr/>
+        </p:nvPicPr>
+        <p:blipFill>
+          <a:blip r:embed="rId2"/>
+          <a:stretch>
+            <a:fillRect/>
+          </a:stretch>
+        </p:blipFill>
+        <p:spPr>
+          <a:xfrm>
+            <a:off x="965200" y="2171700"/>
+            <a:ext cx="10261600" cy="2501900"/>
+          </a:xfrm>
+          <a:prstGeom prst="rect">
+            <a:avLst/>
+          </a:prstGeom>
+        </p:spPr>
+      </p:pic>
     </p:spTree>
     <p:extLst>
       <p:ext uri="{BB962C8B-B14F-4D97-AF65-F5344CB8AC3E}">
@@ -4685,7 +4717,12 @@
             <p:ph type="title"/>
           </p:nvPr>
         </p:nvSpPr>
-        <p:spPr/>
+        <p:spPr>
+          <a:xfrm>
+            <a:off x="838200" y="-319787"/>
+            <a:ext cx="10515600" cy="1325563"/>
+          </a:xfrm>
+        </p:spPr>
         <p:txBody>
           <a:bodyPr/>
           <a:lstStyle/>
@@ -4699,29 +4736,6 @@
           </a:p>
         </p:txBody>
       </p:sp>
-      <p:pic>
-        <p:nvPicPr>
-          <p:cNvPr id="3" name="Picture 2"/>
-          <p:cNvPicPr>
-            <a:picLocks noChangeAspect="1"/>
-          </p:cNvPicPr>
-          <p:nvPr/>
-        </p:nvPicPr>
-        <p:blipFill rotWithShape="1">
-          <a:blip r:embed="rId2"/>
-          <a:srcRect t="11581"/>
-          <a:stretch/>
-        </p:blipFill>
-        <p:spPr>
-          <a:xfrm>
-            <a:off x="556673" y="2665561"/>
-            <a:ext cx="11078653" cy="2958317"/>
-          </a:xfrm>
-          <a:prstGeom prst="rect">
-            <a:avLst/>
-          </a:prstGeom>
-        </p:spPr>
-      </p:pic>
       <p:sp>
         <p:nvSpPr>
           <p:cNvPr id="5" name="Footer Placeholder 4"/>
@@ -4771,6 +4785,30 @@
           </a:p>
         </p:txBody>
       </p:sp>
+      <p:pic>
+        <p:nvPicPr>
+          <p:cNvPr id="4" name="Picture 3"/>
+          <p:cNvPicPr>
+            <a:picLocks noChangeAspect="1"/>
+          </p:cNvPicPr>
+          <p:nvPr/>
+        </p:nvPicPr>
+        <p:blipFill>
+          <a:blip r:embed="rId2"/>
+          <a:stretch>
+            <a:fillRect/>
+          </a:stretch>
+        </p:blipFill>
+        <p:spPr>
+          <a:xfrm>
+            <a:off x="0" y="1384300"/>
+            <a:ext cx="12192000" cy="4079278"/>
+          </a:xfrm>
+          <a:prstGeom prst="rect">
+            <a:avLst/>
+          </a:prstGeom>
+        </p:spPr>
+      </p:pic>
     </p:spTree>
     <p:extLst>
       <p:ext uri="{BB962C8B-B14F-4D97-AF65-F5344CB8AC3E}">
@@ -4811,7 +4849,12 @@
             <p:ph type="title"/>
           </p:nvPr>
         </p:nvSpPr>
-        <p:spPr/>
+        <p:spPr>
+          <a:xfrm>
+            <a:off x="838200" y="-291249"/>
+            <a:ext cx="10515600" cy="1325563"/>
+          </a:xfrm>
+        </p:spPr>
         <p:txBody>
           <a:bodyPr/>
           <a:lstStyle/>
@@ -4825,29 +4868,6 @@
           </a:p>
         </p:txBody>
       </p:sp>
-      <p:pic>
-        <p:nvPicPr>
-          <p:cNvPr id="3" name="Picture 2"/>
-          <p:cNvPicPr>
-            <a:picLocks noChangeAspect="1"/>
-          </p:cNvPicPr>
-          <p:nvPr/>
-        </p:nvPicPr>
-        <p:blipFill rotWithShape="1">
-          <a:blip r:embed="rId2"/>
-          <a:srcRect t="7722"/>
-          <a:stretch/>
-        </p:blipFill>
-        <p:spPr>
-          <a:xfrm>
-            <a:off x="589067" y="2570672"/>
-            <a:ext cx="11013865" cy="3387784"/>
-          </a:xfrm>
-          <a:prstGeom prst="rect">
-            <a:avLst/>
-          </a:prstGeom>
-        </p:spPr>
-      </p:pic>
       <p:sp>
         <p:nvSpPr>
           <p:cNvPr id="5" name="Footer Placeholder 4"/>
@@ -4897,6 +4917,30 @@
           </a:p>
         </p:txBody>
       </p:sp>
+      <p:pic>
+        <p:nvPicPr>
+          <p:cNvPr id="4" name="Picture 3"/>
+          <p:cNvPicPr>
+            <a:picLocks noChangeAspect="1"/>
+          </p:cNvPicPr>
+          <p:nvPr/>
+        </p:nvPicPr>
+        <p:blipFill>
+          <a:blip r:embed="rId2"/>
+          <a:stretch>
+            <a:fillRect/>
+          </a:stretch>
+        </p:blipFill>
+        <p:spPr>
+          <a:xfrm>
+            <a:off x="0" y="1377580"/>
+            <a:ext cx="12192000" cy="4650557"/>
+          </a:xfrm>
+          <a:prstGeom prst="rect">
+            <a:avLst/>
+          </a:prstGeom>
+        </p:spPr>
+      </p:pic>
     </p:spTree>
     <p:extLst>
       <p:ext uri="{BB962C8B-B14F-4D97-AF65-F5344CB8AC3E}">
@@ -4937,7 +4981,12 @@
             <p:ph type="title"/>
           </p:nvPr>
         </p:nvSpPr>
-        <p:spPr/>
+        <p:spPr>
+          <a:xfrm>
+            <a:off x="838200" y="-148559"/>
+            <a:ext cx="10515600" cy="1325563"/>
+          </a:xfrm>
+        </p:spPr>
         <p:txBody>
           <a:bodyPr/>
           <a:lstStyle/>
@@ -5063,7 +5112,12 @@
             <p:ph type="title"/>
           </p:nvPr>
         </p:nvSpPr>
-        <p:spPr/>
+        <p:spPr>
+          <a:xfrm>
+            <a:off x="838200" y="-162828"/>
+            <a:ext cx="10515600" cy="1325563"/>
+          </a:xfrm>
+        </p:spPr>
         <p:txBody>
           <a:bodyPr/>
           <a:lstStyle/>
@@ -5189,7 +5243,12 @@
             <p:ph type="title"/>
           </p:nvPr>
         </p:nvSpPr>
-        <p:spPr/>
+        <p:spPr>
+          <a:xfrm>
+            <a:off x="838200" y="-205635"/>
+            <a:ext cx="10515600" cy="1325563"/>
+          </a:xfrm>
+        </p:spPr>
         <p:txBody>
           <a:bodyPr/>
           <a:lstStyle/>
@@ -5543,7 +5602,7 @@
   <a:extraClrSchemeLst/>
   <a:extLst>
     <a:ext uri="{05A4C25C-085E-4340-85A3-A5531E510DB2}">
-      <thm15:themeFamily xmlns:thm15="http://schemas.microsoft.com/office/thememl/2012/main" xmlns="" name="Office Theme" id="{62F939B6-93AF-4DB8-9C6B-D6C7DFDC589F}" vid="{4A3C46E8-61CC-4603-A589-7422A47A8E4A}"/>
+      <thm15:themeFamily xmlns="" xmlns:thm15="http://schemas.microsoft.com/office/thememl/2012/main" name="Office Theme" id="{62F939B6-93AF-4DB8-9C6B-D6C7DFDC589F}" vid="{4A3C46E8-61CC-4603-A589-7422A47A8E4A}"/>
     </a:ext>
   </a:extLst>
 </a:theme>
